--- a/ppt/Javascript 교안/_08_Storage_JSON.pptx
+++ b/ppt/Javascript 교안/_08_Storage_JSON.pptx
@@ -216,7 +216,7 @@
           <a:p>
             <a:fld id="{8DFB2E54-8ADE-1C42-B7E1-8C04B8CD0931}" type="datetimeFigureOut">
               <a:rPr kumimoji="1" lang="ko-Kore-KR" altLang="en-US" smtClean="0"/>
-              <a:t>6/28/21</a:t>
+              <a:t>7/7/21</a:t>
             </a:fld>
             <a:endParaRPr kumimoji="1" lang="ko-Kore-KR" altLang="en-US"/>
           </a:p>
@@ -4749,7 +4749,7 @@
                 <a:ea typeface="+mj-ea"/>
                 <a:cs typeface="Arial" panose="020B0604020202020204" pitchFamily="34" charset="0"/>
               </a:rPr>
-              <a:t>7</a:t>
+              <a:t>8</a:t>
             </a:r>
             <a:r>
               <a:rPr kumimoji="1" lang="en-US" altLang="ko-Kore-KR" sz="3600" b="1" dirty="0">
@@ -4787,7 +4787,26 @@
                 <a:ea typeface="+mj-ea"/>
                 <a:cs typeface="Arial" panose="020B0604020202020204" pitchFamily="34" charset="0"/>
               </a:rPr>
-              <a:t> 이벤트</a:t>
+              <a:t> </a:t>
+            </a:r>
+            <a:r>
+              <a:rPr kumimoji="1" lang="en-US" altLang="ko-KR" sz="3600" b="1">
+                <a:ln>
+                  <a:solidFill>
+                    <a:schemeClr val="bg1">
+                      <a:lumMod val="85000"/>
+                      <a:alpha val="0"/>
+                    </a:schemeClr>
+                  </a:solidFill>
+                </a:ln>
+                <a:solidFill>
+                  <a:schemeClr val="bg1"/>
+                </a:solidFill>
+                <a:latin typeface="+mj-ea"/>
+                <a:ea typeface="+mj-ea"/>
+                <a:cs typeface="Arial" panose="020B0604020202020204" pitchFamily="34" charset="0"/>
+              </a:rPr>
+              <a:t>Storage &amp; JSON</a:t>
             </a:r>
             <a:endParaRPr kumimoji="1" lang="ko-Kore-KR" altLang="en-US" sz="3600" b="1" dirty="0" err="1">
               <a:ln>
